--- a/format_encodings/documents/Floating Point Encoding.pptx
+++ b/format_encodings/documents/Floating Point Encoding.pptx
@@ -8526,7 +8526,7 @@
             </a:pPr>
             <a:r>
               <a:rPr lang="en"/>
-              <a:t>Original number: - 0.000100101</a:t>
+              <a:t>Original number: 2# - 0.000100101</a:t>
             </a:r>
             <a:endParaRPr/>
           </a:p>
@@ -8828,7 +8828,7 @@
             <a:tbl>
               <a:tblPr>
                 <a:noFill/>
-                <a:tableStyleId>{4D7F4BE6-FEAD-40EC-8F1D-16DA4C585A93}</a:tableStyleId>
+                <a:tableStyleId>{8068E1F2-1D8B-4646-BC7E-4773431AA47D}</a:tableStyleId>
               </a:tblPr>
               <a:tblGrid>
                 <a:gridCol w="698500"/>
@@ -10530,7 +10530,7 @@
         </p:nvSpPr>
         <p:spPr>
           <a:xfrm>
-            <a:off x="7564600" y="1315750"/>
+            <a:off x="8326600" y="1315750"/>
             <a:ext cx="775800" cy="3545400"/>
           </a:xfrm>
           <a:prstGeom prst="rect">
@@ -10586,7 +10586,7 @@
             <a:tbl>
               <a:tblPr>
                 <a:noFill/>
-                <a:tableStyleId>{4D7F4BE6-FEAD-40EC-8F1D-16DA4C585A93}</a:tableStyleId>
+                <a:tableStyleId>{8068E1F2-1D8B-4646-BC7E-4773431AA47D}</a:tableStyleId>
               </a:tblPr>
               <a:tblGrid>
                 <a:gridCol w="698500"/>
@@ -11187,7 +11187,7 @@
             <a:tbl>
               <a:tblPr>
                 <a:noFill/>
-                <a:tableStyleId>{4D7F4BE6-FEAD-40EC-8F1D-16DA4C585A93}</a:tableStyleId>
+                <a:tableStyleId>{8068E1F2-1D8B-4646-BC7E-4773431AA47D}</a:tableStyleId>
               </a:tblPr>
               <a:tblGrid>
                 <a:gridCol w="452450"/>
@@ -11820,7 +11820,7 @@
             <a:tbl>
               <a:tblPr>
                 <a:noFill/>
-                <a:tableStyleId>{4D7F4BE6-FEAD-40EC-8F1D-16DA4C585A93}</a:tableStyleId>
+                <a:tableStyleId>{8068E1F2-1D8B-4646-BC7E-4773431AA47D}</a:tableStyleId>
               </a:tblPr>
               <a:tblGrid>
                 <a:gridCol w="226225"/>
@@ -13646,7 +13646,7 @@
             <a:tbl>
               <a:tblPr>
                 <a:noFill/>
-                <a:tableStyleId>{4D7F4BE6-FEAD-40EC-8F1D-16DA4C585A93}</a:tableStyleId>
+                <a:tableStyleId>{8068E1F2-1D8B-4646-BC7E-4773431AA47D}</a:tableStyleId>
               </a:tblPr>
               <a:tblGrid>
                 <a:gridCol w="113125"/>
@@ -17456,7 +17456,7 @@
             <a:tbl>
               <a:tblPr>
                 <a:noFill/>
-                <a:tableStyleId>{4D7F4BE6-FEAD-40EC-8F1D-16DA4C585A93}</a:tableStyleId>
+                <a:tableStyleId>{8068E1F2-1D8B-4646-BC7E-4773431AA47D}</a:tableStyleId>
               </a:tblPr>
               <a:tblGrid>
                 <a:gridCol w="452450"/>
@@ -18154,7 +18154,7 @@
             <a:tbl>
               <a:tblPr>
                 <a:noFill/>
-                <a:tableStyleId>{4D7F4BE6-FEAD-40EC-8F1D-16DA4C585A93}</a:tableStyleId>
+                <a:tableStyleId>{8068E1F2-1D8B-4646-BC7E-4773431AA47D}</a:tableStyleId>
               </a:tblPr>
               <a:tblGrid>
                 <a:gridCol w="452450"/>
@@ -18757,7 +18757,7 @@
             <a:tbl>
               <a:tblPr>
                 <a:noFill/>
-                <a:tableStyleId>{4D7F4BE6-FEAD-40EC-8F1D-16DA4C585A93}</a:tableStyleId>
+                <a:tableStyleId>{8068E1F2-1D8B-4646-BC7E-4773431AA47D}</a:tableStyleId>
               </a:tblPr>
               <a:tblGrid>
                 <a:gridCol w="452450"/>
@@ -19681,7 +19681,7 @@
             <a:tbl>
               <a:tblPr>
                 <a:noFill/>
-                <a:tableStyleId>{4D7F4BE6-FEAD-40EC-8F1D-16DA4C585A93}</a:tableStyleId>
+                <a:tableStyleId>{8068E1F2-1D8B-4646-BC7E-4773431AA47D}</a:tableStyleId>
               </a:tblPr>
               <a:tblGrid>
                 <a:gridCol w="226225"/>
